--- a/_SLIDES/2020/H2- De basiconcepten van cs/H2_3_Variabelen.pptx
+++ b/_SLIDES/2020/H2- De basiconcepten van cs/H2_3_Variabelen.pptx
@@ -5,10 +5,10 @@
     <p:sldMasterId id="2147483684" r:id="rId1"/>
   </p:sldMasterIdLst>
   <p:notesMasterIdLst>
-    <p:notesMasterId r:id="rId14"/>
+    <p:notesMasterId r:id="rId15"/>
   </p:notesMasterIdLst>
   <p:handoutMasterIdLst>
-    <p:handoutMasterId r:id="rId15"/>
+    <p:handoutMasterId r:id="rId16"/>
   </p:handoutMasterIdLst>
   <p:sldIdLst>
     <p:sldId id="289" r:id="rId2"/>
@@ -18,32 +18,33 @@
     <p:sldId id="286" r:id="rId6"/>
     <p:sldId id="287" r:id="rId7"/>
     <p:sldId id="284" r:id="rId8"/>
-    <p:sldId id="264" r:id="rId9"/>
-    <p:sldId id="265" r:id="rId10"/>
-    <p:sldId id="266" r:id="rId11"/>
-    <p:sldId id="267" r:id="rId12"/>
-    <p:sldId id="268" r:id="rId13"/>
+    <p:sldId id="259" r:id="rId9"/>
+    <p:sldId id="264" r:id="rId10"/>
+    <p:sldId id="265" r:id="rId11"/>
+    <p:sldId id="266" r:id="rId12"/>
+    <p:sldId id="267" r:id="rId13"/>
+    <p:sldId id="268" r:id="rId14"/>
   </p:sldIdLst>
   <p:sldSz cx="12192000" cy="6858000"/>
   <p:notesSz cx="7099300" cy="10234613"/>
   <p:embeddedFontLst>
     <p:embeddedFont>
       <p:font typeface="Archivo Narrow" panose="020B0506020202020B04" pitchFamily="34" charset="0"/>
-      <p:regular r:id="rId16"/>
-      <p:bold r:id="rId17"/>
+      <p:regular r:id="rId17"/>
+      <p:bold r:id="rId18"/>
     </p:embeddedFont>
     <p:embeddedFont>
       <p:font typeface="Blogger Sans" panose="02000506030000020004" pitchFamily="50" charset="0"/>
-      <p:regular r:id="rId18"/>
-      <p:bold r:id="rId19"/>
-      <p:italic r:id="rId20"/>
+      <p:regular r:id="rId19"/>
+      <p:bold r:id="rId20"/>
+      <p:italic r:id="rId21"/>
     </p:embeddedFont>
     <p:embeddedFont>
       <p:font typeface="Calibri" panose="020F0502020204030204" pitchFamily="34" charset="0"/>
-      <p:regular r:id="rId21"/>
-      <p:bold r:id="rId22"/>
-      <p:italic r:id="rId23"/>
-      <p:boldItalic r:id="rId24"/>
+      <p:regular r:id="rId22"/>
+      <p:bold r:id="rId23"/>
+      <p:italic r:id="rId24"/>
+      <p:boldItalic r:id="rId25"/>
     </p:embeddedFont>
   </p:embeddedFontLst>
   <p:defaultTextStyle>
@@ -6009,7 +6010,7 @@
           <a:p>
             <a:fld id="{85EE1F57-E73E-475C-872F-886F27274373}" type="datetimeFigureOut">
               <a:rPr lang="nl-BE" smtClean="0"/>
-              <a:t>7/09/2020</a:t>
+              <a:t>10/09/2020</a:t>
             </a:fld>
             <a:endParaRPr lang="nl-BE"/>
           </a:p>
@@ -6174,7 +6175,7 @@
           <a:p>
             <a:fld id="{E0BBF532-A5DD-4E27-82A5-D972027CDA5D}" type="datetimeFigureOut">
               <a:rPr lang="nl-BE" smtClean="0"/>
-              <a:t>7/09/2020</a:t>
+              <a:t>10/09/2020</a:t>
             </a:fld>
             <a:endParaRPr lang="nl-BE"/>
           </a:p>
@@ -6697,7 +6698,7 @@
           <a:p>
             <a:fld id="{13F52934-E233-411B-B348-2C593D52BE54}" type="datetime1">
               <a:rPr lang="nl-BE" smtClean="0"/>
-              <a:t>7/09/2020</a:t>
+              <a:t>10/09/2020</a:t>
             </a:fld>
             <a:endParaRPr lang="nl-BE" dirty="0"/>
           </a:p>
@@ -6994,7 +6995,7 @@
           <a:p>
             <a:fld id="{2CF6BB67-8D8F-434F-9FF4-CB7540FA5CCF}" type="datetime1">
               <a:rPr lang="nl-BE" smtClean="0"/>
-              <a:t>7/09/2020</a:t>
+              <a:t>10/09/2020</a:t>
             </a:fld>
             <a:endParaRPr lang="nl-BE"/>
           </a:p>
@@ -7207,7 +7208,7 @@
           <a:p>
             <a:fld id="{147BFD0D-0FBD-4EE5-844C-0E6C2D5E6C7F}" type="datetime1">
               <a:rPr lang="nl-BE" smtClean="0"/>
-              <a:t>7/09/2020</a:t>
+              <a:t>10/09/2020</a:t>
             </a:fld>
             <a:endParaRPr lang="nl-BE"/>
           </a:p>
@@ -7440,7 +7441,7 @@
           <a:p>
             <a:fld id="{BBC6551F-B07A-44F4-94BA-F59D63D2C27B}" type="datetime1">
               <a:rPr lang="nl-BE" smtClean="0"/>
-              <a:t>7/09/2020</a:t>
+              <a:t>10/09/2020</a:t>
             </a:fld>
             <a:endParaRPr lang="nl-BE"/>
           </a:p>
@@ -7720,7 +7721,7 @@
           <a:p>
             <a:fld id="{2780C136-0C76-4A2C-8EA6-C6738C3209ED}" type="datetime1">
               <a:rPr lang="nl-BE" smtClean="0"/>
-              <a:t>7/09/2020</a:t>
+              <a:t>10/09/2020</a:t>
             </a:fld>
             <a:endParaRPr lang="nl-BE"/>
           </a:p>
@@ -7991,7 +7992,7 @@
           <a:p>
             <a:fld id="{56C85B3A-6340-4B3D-9DBA-3C3A534F9D72}" type="datetime1">
               <a:rPr lang="nl-BE" smtClean="0"/>
-              <a:t>7/09/2020</a:t>
+              <a:t>10/09/2020</a:t>
             </a:fld>
             <a:endParaRPr lang="nl-BE"/>
           </a:p>
@@ -8409,7 +8410,7 @@
           <a:p>
             <a:fld id="{3EEAB8EA-6EB4-4343-BBF4-C3D052796CBF}" type="datetime1">
               <a:rPr lang="nl-BE" smtClean="0"/>
-              <a:t>7/09/2020</a:t>
+              <a:t>10/09/2020</a:t>
             </a:fld>
             <a:endParaRPr lang="nl-BE"/>
           </a:p>
@@ -8554,7 +8555,7 @@
           <a:p>
             <a:fld id="{CA0304BA-24AF-460D-91C1-1D207B849056}" type="datetime1">
               <a:rPr lang="nl-BE" smtClean="0"/>
-              <a:t>7/09/2020</a:t>
+              <a:t>10/09/2020</a:t>
             </a:fld>
             <a:endParaRPr lang="nl-BE"/>
           </a:p>
@@ -8793,7 +8794,7 @@
           <a:p>
             <a:fld id="{F1DE6926-B650-4BF9-8F10-127EAD338B93}" type="datetime1">
               <a:rPr lang="nl-BE" smtClean="0"/>
-              <a:t>7/09/2020</a:t>
+              <a:t>10/09/2020</a:t>
             </a:fld>
             <a:endParaRPr lang="nl-BE"/>
           </a:p>
@@ -9109,7 +9110,7 @@
           <a:p>
             <a:fld id="{E5FC8B8E-6649-4680-97A0-578157D38199}" type="datetime1">
               <a:rPr lang="nl-BE" smtClean="0"/>
-              <a:t>7/09/2020</a:t>
+              <a:t>10/09/2020</a:t>
             </a:fld>
             <a:endParaRPr lang="nl-BE"/>
           </a:p>
@@ -9405,7 +9406,7 @@
           <a:p>
             <a:fld id="{EBEC64FC-DBFC-4BC4-90ED-A9A519DDE6A1}" type="datetime1">
               <a:rPr lang="nl-BE" smtClean="0"/>
-              <a:t>7/09/2020</a:t>
+              <a:t>10/09/2020</a:t>
             </a:fld>
             <a:endParaRPr lang="nl-BE"/>
           </a:p>
@@ -9651,7 +9652,7 @@
           <a:p>
             <a:fld id="{DBC0937C-F722-4570-AB64-D1FB4CE6186D}" type="datetime1">
               <a:rPr lang="nl-BE" smtClean="0"/>
-              <a:t>7/09/2020</a:t>
+              <a:t>10/09/2020</a:t>
             </a:fld>
             <a:endParaRPr lang="nl-BE"/>
           </a:p>
@@ -10251,151 +10252,114 @@
           </a:p>
         </p:txBody>
       </p:sp>
+    </p:spTree>
+    <p:extLst>
+      <p:ext uri="{BB962C8B-B14F-4D97-AF65-F5344CB8AC3E}">
+        <p14:creationId xmlns:p14="http://schemas.microsoft.com/office/powerpoint/2010/main" val="4189313124"/>
+      </p:ext>
+    </p:extLst>
+  </p:cSld>
+  <p:clrMapOvr>
+    <a:masterClrMapping/>
+  </p:clrMapOvr>
+</p:sld>
+</file>
+
+<file path=ppt/slides/slide10.xml><?xml version="1.0" encoding="utf-8"?>
+<p:sld xmlns:a="http://schemas.openxmlformats.org/drawingml/2006/main" xmlns:r="http://schemas.openxmlformats.org/officeDocument/2006/relationships" xmlns:p="http://schemas.openxmlformats.org/presentationml/2006/main" show="0">
+  <p:cSld>
+    <p:spTree>
+      <p:nvGrpSpPr>
+        <p:cNvPr id="1" name=""/>
+        <p:cNvGrpSpPr/>
+        <p:nvPr/>
+      </p:nvGrpSpPr>
+      <p:grpSpPr>
+        <a:xfrm>
+          <a:off x="0" y="0"/>
+          <a:ext cx="0" cy="0"/>
+          <a:chOff x="0" y="0"/>
+          <a:chExt cx="0" cy="0"/>
+        </a:xfrm>
+      </p:grpSpPr>
+      <p:sp>
+        <p:nvSpPr>
+          <p:cNvPr id="147458" name="Titel 1"/>
+          <p:cNvSpPr>
+            <a:spLocks noGrp="1"/>
+          </p:cNvSpPr>
+          <p:nvPr>
+            <p:ph type="title"/>
+          </p:nvPr>
+        </p:nvSpPr>
+        <p:spPr/>
+        <p:txBody>
+          <a:bodyPr/>
+          <a:lstStyle/>
+          <a:p>
+            <a:r>
+              <a:rPr lang="nl-BE" dirty="0" err="1"/>
+              <a:t>Assignment</a:t>
+            </a:r>
+            <a:r>
+              <a:rPr lang="nl-BE" dirty="0"/>
+              <a:t> statement voorbeeld</a:t>
+            </a:r>
+          </a:p>
+        </p:txBody>
+      </p:sp>
+      <p:sp>
+        <p:nvSpPr>
+          <p:cNvPr id="147459" name="Tijdelijke aanduiding voor inhoud 2"/>
+          <p:cNvSpPr>
+            <a:spLocks noGrp="1"/>
+          </p:cNvSpPr>
+          <p:nvPr>
+            <p:ph idx="1"/>
+          </p:nvPr>
+        </p:nvSpPr>
+        <p:spPr/>
+        <p:txBody>
+          <a:bodyPr/>
+          <a:lstStyle/>
+          <a:p>
+            <a:endParaRPr lang="nl-BE"/>
+          </a:p>
+        </p:txBody>
+      </p:sp>
       <p:pic>
         <p:nvPicPr>
-          <p:cNvPr id="7" name="Picture 5">
-            <a:extLst>
-              <a:ext uri="{FF2B5EF4-FFF2-40B4-BE49-F238E27FC236}">
-                <a16:creationId xmlns:a16="http://schemas.microsoft.com/office/drawing/2014/main" id="{1C383B76-9135-400A-A9D9-0D63E5D1D5C7}"/>
-              </a:ext>
-            </a:extLst>
-          </p:cNvPr>
+          <p:cNvPr id="147461" name="Picture 2"/>
           <p:cNvPicPr>
             <a:picLocks noChangeAspect="1" noChangeArrowheads="1"/>
           </p:cNvPicPr>
           <p:nvPr/>
         </p:nvPicPr>
-        <p:blipFill rotWithShape="1">
+        <p:blipFill>
           <a:blip r:embed="rId2">
-            <a:alphaModFix/>
             <a:extLst>
               <a:ext uri="{28A0092B-C50C-407E-A947-70E740481C1C}">
                 <a14:useLocalDpi xmlns:a14="http://schemas.microsoft.com/office/drawing/2010/main"/>
               </a:ext>
             </a:extLst>
           </a:blip>
-          <a:srcRect r="2" b="12257"/>
-          <a:stretch/>
+          <a:srcRect/>
+          <a:stretch>
+            <a:fillRect/>
+          </a:stretch>
         </p:blipFill>
         <p:spPr bwMode="auto">
           <a:xfrm>
-            <a:off x="-96688" y="2641515"/>
-            <a:ext cx="3676366" cy="4230563"/>
+            <a:off x="2084389" y="1663700"/>
+            <a:ext cx="3729037" cy="2255838"/>
           </a:xfrm>
-          <a:custGeom>
+          <a:prstGeom prst="rect">
             <a:avLst/>
-            <a:gdLst>
-              <a:gd name="connsiteX0" fmla="*/ 2178155 w 5298683"/>
-              <a:gd name="connsiteY0" fmla="*/ 0 h 6097438"/>
-              <a:gd name="connsiteX1" fmla="*/ 5298683 w 5298683"/>
-              <a:gd name="connsiteY1" fmla="*/ 3120527 h 6097438"/>
-              <a:gd name="connsiteX2" fmla="*/ 3392805 w 5298683"/>
-              <a:gd name="connsiteY2" fmla="*/ 5995828 h 6097438"/>
-              <a:gd name="connsiteX3" fmla="*/ 3115184 w 5298683"/>
-              <a:gd name="connsiteY3" fmla="*/ 6097438 h 6097438"/>
-              <a:gd name="connsiteX4" fmla="*/ 1241127 w 5298683"/>
-              <a:gd name="connsiteY4" fmla="*/ 6097438 h 6097438"/>
-              <a:gd name="connsiteX5" fmla="*/ 963506 w 5298683"/>
-              <a:gd name="connsiteY5" fmla="*/ 5995828 h 6097438"/>
-              <a:gd name="connsiteX6" fmla="*/ 193210 w 5298683"/>
-              <a:gd name="connsiteY6" fmla="*/ 5528477 h 6097438"/>
-              <a:gd name="connsiteX7" fmla="*/ 0 w 5298683"/>
-              <a:gd name="connsiteY7" fmla="*/ 5352876 h 6097438"/>
-              <a:gd name="connsiteX8" fmla="*/ 0 w 5298683"/>
-              <a:gd name="connsiteY8" fmla="*/ 888178 h 6097438"/>
-              <a:gd name="connsiteX9" fmla="*/ 193210 w 5298683"/>
-              <a:gd name="connsiteY9" fmla="*/ 712577 h 6097438"/>
-              <a:gd name="connsiteX10" fmla="*/ 2178155 w 5298683"/>
-              <a:gd name="connsiteY10" fmla="*/ 0 h 6097438"/>
-            </a:gdLst>
-            <a:ahLst/>
-            <a:cxnLst>
-              <a:cxn ang="0">
-                <a:pos x="connsiteX0" y="connsiteY0"/>
-              </a:cxn>
-              <a:cxn ang="0">
-                <a:pos x="connsiteX1" y="connsiteY1"/>
-              </a:cxn>
-              <a:cxn ang="0">
-                <a:pos x="connsiteX2" y="connsiteY2"/>
-              </a:cxn>
-              <a:cxn ang="0">
-                <a:pos x="connsiteX3" y="connsiteY3"/>
-              </a:cxn>
-              <a:cxn ang="0">
-                <a:pos x="connsiteX4" y="connsiteY4"/>
-              </a:cxn>
-              <a:cxn ang="0">
-                <a:pos x="connsiteX5" y="connsiteY5"/>
-              </a:cxn>
-              <a:cxn ang="0">
-                <a:pos x="connsiteX6" y="connsiteY6"/>
-              </a:cxn>
-              <a:cxn ang="0">
-                <a:pos x="connsiteX7" y="connsiteY7"/>
-              </a:cxn>
-              <a:cxn ang="0">
-                <a:pos x="connsiteX8" y="connsiteY8"/>
-              </a:cxn>
-              <a:cxn ang="0">
-                <a:pos x="connsiteX9" y="connsiteY9"/>
-              </a:cxn>
-              <a:cxn ang="0">
-                <a:pos x="connsiteX10" y="connsiteY10"/>
-              </a:cxn>
-            </a:cxnLst>
-            <a:rect l="l" t="t" r="r" b="b"/>
-            <a:pathLst>
-              <a:path w="5298683" h="6097438">
-                <a:moveTo>
-                  <a:pt x="2178155" y="0"/>
-                </a:moveTo>
-                <a:cubicBezTo>
-                  <a:pt x="3901575" y="0"/>
-                  <a:pt x="5298683" y="1397108"/>
-                  <a:pt x="5298683" y="3120527"/>
-                </a:cubicBezTo>
-                <a:cubicBezTo>
-                  <a:pt x="5298683" y="4413092"/>
-                  <a:pt x="4512810" y="5522106"/>
-                  <a:pt x="3392805" y="5995828"/>
-                </a:cubicBezTo>
-                <a:lnTo>
-                  <a:pt x="3115184" y="6097438"/>
-                </a:lnTo>
-                <a:lnTo>
-                  <a:pt x="1241127" y="6097438"/>
-                </a:lnTo>
-                <a:lnTo>
-                  <a:pt x="963506" y="5995828"/>
-                </a:lnTo>
-                <a:cubicBezTo>
-                  <a:pt x="683504" y="5877397"/>
-                  <a:pt x="424387" y="5719261"/>
-                  <a:pt x="193210" y="5528477"/>
-                </a:cubicBezTo>
-                <a:lnTo>
-                  <a:pt x="0" y="5352876"/>
-                </a:lnTo>
-                <a:lnTo>
-                  <a:pt x="0" y="888178"/>
-                </a:lnTo>
-                <a:lnTo>
-                  <a:pt x="193210" y="712577"/>
-                </a:lnTo>
-                <a:cubicBezTo>
-                  <a:pt x="732621" y="267415"/>
-                  <a:pt x="1424159" y="0"/>
-                  <a:pt x="2178155" y="0"/>
-                </a:cubicBezTo>
-                <a:close/>
-              </a:path>
-            </a:pathLst>
-          </a:custGeom>
+          </a:prstGeom>
           <a:noFill/>
-          <a:effectLst>
-            <a:softEdge rad="0"/>
-          </a:effectLst>
+          <a:ln>
+            <a:noFill/>
+          </a:ln>
           <a:extLst>
             <a:ext uri="{909E8E84-426E-40DD-AFC4-6F175D3DCCD1}">
               <a14:hiddenFill xmlns:a14="http://schemas.microsoft.com/office/drawing/2010/main">
@@ -10417,10 +10381,218 @@
           </a:extLst>
         </p:spPr>
       </p:pic>
+      <p:sp>
+        <p:nvSpPr>
+          <p:cNvPr id="7" name="Rechthoek 6"/>
+          <p:cNvSpPr/>
+          <p:nvPr/>
+        </p:nvSpPr>
+        <p:spPr bwMode="auto">
+          <a:xfrm>
+            <a:off x="5797550" y="1412776"/>
+            <a:ext cx="4870450" cy="5153124"/>
+          </a:xfrm>
+          <a:prstGeom prst="rect">
+            <a:avLst/>
+          </a:prstGeom>
+          <a:ln>
+            <a:headEnd type="none" w="med" len="med"/>
+            <a:tailEnd type="none" w="med" len="med"/>
+          </a:ln>
+        </p:spPr>
+        <p:style>
+          <a:lnRef idx="2">
+            <a:schemeClr val="accent4"/>
+          </a:lnRef>
+          <a:fillRef idx="1">
+            <a:schemeClr val="lt1"/>
+          </a:fillRef>
+          <a:effectRef idx="0">
+            <a:schemeClr val="accent4"/>
+          </a:effectRef>
+          <a:fontRef idx="minor">
+            <a:schemeClr val="dk1"/>
+          </a:fontRef>
+        </p:style>
+        <p:txBody>
+          <a:bodyPr/>
+          <a:lstStyle/>
+          <a:p>
+            <a:pPr eaLnBrk="0" fontAlgn="base" hangingPunct="0">
+              <a:spcBef>
+                <a:spcPct val="0"/>
+              </a:spcBef>
+              <a:spcAft>
+                <a:spcPct val="0"/>
+              </a:spcAft>
+              <a:defRPr/>
+            </a:pPr>
+            <a:r>
+              <a:rPr lang="nl-BE" dirty="0">
+                <a:solidFill>
+                  <a:srgbClr val="666666"/>
+                </a:solidFill>
+              </a:rPr>
+              <a:t>Aanmaken van 3 variabelen van het type integer (gehele getallen).</a:t>
+            </a:r>
+          </a:p>
+          <a:p>
+            <a:pPr eaLnBrk="0" fontAlgn="base" hangingPunct="0">
+              <a:spcBef>
+                <a:spcPct val="0"/>
+              </a:spcBef>
+              <a:spcAft>
+                <a:spcPct val="0"/>
+              </a:spcAft>
+              <a:defRPr/>
+            </a:pPr>
+            <a:endParaRPr lang="nl-BE" dirty="0">
+              <a:solidFill>
+                <a:srgbClr val="666666"/>
+              </a:solidFill>
+            </a:endParaRPr>
+          </a:p>
+          <a:p>
+            <a:pPr eaLnBrk="0" fontAlgn="base" hangingPunct="0">
+              <a:spcBef>
+                <a:spcPct val="0"/>
+              </a:spcBef>
+              <a:spcAft>
+                <a:spcPct val="0"/>
+              </a:spcAft>
+              <a:defRPr/>
+            </a:pPr>
+            <a:endParaRPr lang="nl-BE" dirty="0">
+              <a:solidFill>
+                <a:srgbClr val="666666"/>
+              </a:solidFill>
+            </a:endParaRPr>
+          </a:p>
+        </p:txBody>
+      </p:sp>
+      <p:sp>
+        <p:nvSpPr>
+          <p:cNvPr id="8" name="Rechthoek 7"/>
+          <p:cNvSpPr/>
+          <p:nvPr/>
+        </p:nvSpPr>
+        <p:spPr bwMode="auto">
+          <a:xfrm>
+            <a:off x="2798763" y="2481263"/>
+            <a:ext cx="2735262" cy="366712"/>
+          </a:xfrm>
+          <a:prstGeom prst="rect">
+            <a:avLst/>
+          </a:prstGeom>
+          <a:solidFill>
+            <a:srgbClr val="FF8800">
+              <a:alpha val="23137"/>
+            </a:srgbClr>
+          </a:solidFill>
+          <a:ln>
+            <a:headEnd type="none" w="med" len="med"/>
+            <a:tailEnd type="none" w="med" len="med"/>
+          </a:ln>
+        </p:spPr>
+        <p:style>
+          <a:lnRef idx="2">
+            <a:schemeClr val="accent1">
+              <a:shade val="50000"/>
+            </a:schemeClr>
+          </a:lnRef>
+          <a:fillRef idx="1">
+            <a:schemeClr val="accent1"/>
+          </a:fillRef>
+          <a:effectRef idx="0">
+            <a:schemeClr val="accent1"/>
+          </a:effectRef>
+          <a:fontRef idx="minor">
+            <a:schemeClr val="lt1"/>
+          </a:fontRef>
+        </p:style>
+        <p:txBody>
+          <a:bodyPr/>
+          <a:lstStyle/>
+          <a:p>
+            <a:pPr eaLnBrk="0" fontAlgn="base" hangingPunct="0">
+              <a:spcBef>
+                <a:spcPct val="0"/>
+              </a:spcBef>
+              <a:spcAft>
+                <a:spcPct val="0"/>
+              </a:spcAft>
+              <a:defRPr/>
+            </a:pPr>
+            <a:endParaRPr lang="nl-BE">
+              <a:solidFill>
+                <a:srgbClr val="666666"/>
+              </a:solidFill>
+            </a:endParaRPr>
+          </a:p>
+        </p:txBody>
+      </p:sp>
+      <p:sp>
+        <p:nvSpPr>
+          <p:cNvPr id="2" name="Tijdelijke aanduiding voor voettekst 1">
+            <a:extLst>
+              <a:ext uri="{FF2B5EF4-FFF2-40B4-BE49-F238E27FC236}">
+                <a16:creationId xmlns:a16="http://schemas.microsoft.com/office/drawing/2014/main" id="{E192E233-BEAC-41DB-96D4-68810F327C3D}"/>
+              </a:ext>
+            </a:extLst>
+          </p:cNvPr>
+          <p:cNvSpPr>
+            <a:spLocks noGrp="1"/>
+          </p:cNvSpPr>
+          <p:nvPr>
+            <p:ph type="ftr" sz="quarter" idx="11"/>
+          </p:nvPr>
+        </p:nvSpPr>
+        <p:spPr/>
+        <p:txBody>
+          <a:bodyPr/>
+          <a:lstStyle/>
+          <a:p>
+            <a:r>
+              <a:rPr lang="nl-BE"/>
+              <a:t>Zie Scherp</a:t>
+            </a:r>
+            <a:endParaRPr lang="nl-BE" dirty="0"/>
+          </a:p>
+        </p:txBody>
+      </p:sp>
+      <p:sp>
+        <p:nvSpPr>
+          <p:cNvPr id="3" name="Tijdelijke aanduiding voor dianummer 2">
+            <a:extLst>
+              <a:ext uri="{FF2B5EF4-FFF2-40B4-BE49-F238E27FC236}">
+                <a16:creationId xmlns:a16="http://schemas.microsoft.com/office/drawing/2014/main" id="{9070BFE2-9821-451B-9E88-295C2DD5B86A}"/>
+              </a:ext>
+            </a:extLst>
+          </p:cNvPr>
+          <p:cNvSpPr>
+            <a:spLocks noGrp="1"/>
+          </p:cNvSpPr>
+          <p:nvPr>
+            <p:ph type="sldNum" sz="quarter" idx="12"/>
+          </p:nvPr>
+        </p:nvSpPr>
+        <p:spPr/>
+        <p:txBody>
+          <a:bodyPr/>
+          <a:lstStyle/>
+          <a:p>
+            <a:fld id="{E8A62353-F7CD-46ED-8877-B27D0E33FCF8}" type="slidenum">
+              <a:rPr lang="nl-BE" smtClean="0"/>
+              <a:t>10</a:t>
+            </a:fld>
+            <a:endParaRPr lang="nl-BE"/>
+          </a:p>
+        </p:txBody>
+      </p:sp>
     </p:spTree>
     <p:extLst>
       <p:ext uri="{BB962C8B-B14F-4D97-AF65-F5344CB8AC3E}">
-        <p14:creationId xmlns:p14="http://schemas.microsoft.com/office/powerpoint/2010/main" val="4189313124"/>
+        <p14:creationId xmlns:p14="http://schemas.microsoft.com/office/powerpoint/2010/main" val="429922578"/>
       </p:ext>
     </p:extLst>
   </p:cSld>
@@ -10430,8 +10602,8 @@
 </p:sld>
 </file>
 
-<file path=ppt/slides/slide10.xml><?xml version="1.0" encoding="utf-8"?>
-<p:sld xmlns:a="http://schemas.openxmlformats.org/drawingml/2006/main" xmlns:r="http://schemas.openxmlformats.org/officeDocument/2006/relationships" xmlns:p="http://schemas.openxmlformats.org/presentationml/2006/main">
+<file path=ppt/slides/slide11.xml><?xml version="1.0" encoding="utf-8"?>
+<p:sld xmlns:a="http://schemas.openxmlformats.org/drawingml/2006/main" xmlns:r="http://schemas.openxmlformats.org/officeDocument/2006/relationships" xmlns:p="http://schemas.openxmlformats.org/presentationml/2006/main" show="0">
   <p:cSld>
     <p:spTree>
       <p:nvGrpSpPr>
@@ -10811,7 +10983,7 @@
           <a:p>
             <a:fld id="{E8A62353-F7CD-46ED-8877-B27D0E33FCF8}" type="slidenum">
               <a:rPr lang="nl-BE" smtClean="0"/>
-              <a:t>10</a:t>
+              <a:t>11</a:t>
             </a:fld>
             <a:endParaRPr lang="nl-BE"/>
           </a:p>
@@ -10830,8 +11002,8 @@
 </p:sld>
 </file>
 
-<file path=ppt/slides/slide11.xml><?xml version="1.0" encoding="utf-8"?>
-<p:sld xmlns:a="http://schemas.openxmlformats.org/drawingml/2006/main" xmlns:r="http://schemas.openxmlformats.org/officeDocument/2006/relationships" xmlns:p="http://schemas.openxmlformats.org/presentationml/2006/main">
+<file path=ppt/slides/slide12.xml><?xml version="1.0" encoding="utf-8"?>
+<p:sld xmlns:a="http://schemas.openxmlformats.org/drawingml/2006/main" xmlns:r="http://schemas.openxmlformats.org/officeDocument/2006/relationships" xmlns:p="http://schemas.openxmlformats.org/presentationml/2006/main" show="0">
   <p:cSld>
     <p:spTree>
       <p:nvGrpSpPr>
@@ -11211,7 +11383,7 @@
           <a:p>
             <a:fld id="{E8A62353-F7CD-46ED-8877-B27D0E33FCF8}" type="slidenum">
               <a:rPr lang="nl-BE" smtClean="0"/>
-              <a:t>11</a:t>
+              <a:t>12</a:t>
             </a:fld>
             <a:endParaRPr lang="nl-BE"/>
           </a:p>
@@ -11230,8 +11402,8 @@
 </p:sld>
 </file>
 
-<file path=ppt/slides/slide12.xml><?xml version="1.0" encoding="utf-8"?>
-<p:sld xmlns:a="http://schemas.openxmlformats.org/drawingml/2006/main" xmlns:r="http://schemas.openxmlformats.org/officeDocument/2006/relationships" xmlns:p="http://schemas.openxmlformats.org/presentationml/2006/main">
+<file path=ppt/slides/slide13.xml><?xml version="1.0" encoding="utf-8"?>
+<p:sld xmlns:a="http://schemas.openxmlformats.org/drawingml/2006/main" xmlns:r="http://schemas.openxmlformats.org/officeDocument/2006/relationships" xmlns:p="http://schemas.openxmlformats.org/presentationml/2006/main" show="0">
   <p:cSld>
     <p:spTree>
       <p:nvGrpSpPr>
@@ -11678,7 +11850,7 @@
           <a:p>
             <a:fld id="{E8A62353-F7CD-46ED-8877-B27D0E33FCF8}" type="slidenum">
               <a:rPr lang="nl-BE" smtClean="0"/>
-              <a:t>12</a:t>
+              <a:t>13</a:t>
             </a:fld>
             <a:endParaRPr lang="nl-BE"/>
           </a:p>
@@ -13154,6 +13326,345 @@
 
 <file path=ppt/slides/slide8.xml><?xml version="1.0" encoding="utf-8"?>
 <p:sld xmlns:a="http://schemas.openxmlformats.org/drawingml/2006/main" xmlns:r="http://schemas.openxmlformats.org/officeDocument/2006/relationships" xmlns:p="http://schemas.openxmlformats.org/presentationml/2006/main">
+  <p:cSld>
+    <p:spTree>
+      <p:nvGrpSpPr>
+        <p:cNvPr id="1" name=""/>
+        <p:cNvGrpSpPr/>
+        <p:nvPr/>
+      </p:nvGrpSpPr>
+      <p:grpSpPr>
+        <a:xfrm>
+          <a:off x="0" y="0"/>
+          <a:ext cx="0" cy="0"/>
+          <a:chOff x="0" y="0"/>
+          <a:chExt cx="0" cy="0"/>
+        </a:xfrm>
+      </p:grpSpPr>
+      <p:sp>
+        <p:nvSpPr>
+          <p:cNvPr id="2" name="Titel 1">
+            <a:extLst>
+              <a:ext uri="{FF2B5EF4-FFF2-40B4-BE49-F238E27FC236}">
+                <a16:creationId xmlns:a16="http://schemas.microsoft.com/office/drawing/2014/main" id="{DEA37EB1-D991-4BD1-B2A4-3FAA24191CB2}"/>
+              </a:ext>
+            </a:extLst>
+          </p:cNvPr>
+          <p:cNvSpPr>
+            <a:spLocks noGrp="1"/>
+          </p:cNvSpPr>
+          <p:nvPr>
+            <p:ph type="title"/>
+          </p:nvPr>
+        </p:nvSpPr>
+        <p:spPr/>
+        <p:txBody>
+          <a:bodyPr/>
+          <a:lstStyle/>
+          <a:p>
+            <a:r>
+              <a:rPr lang="nl-BE" dirty="0"/>
+              <a:t>Demo time</a:t>
+            </a:r>
+          </a:p>
+        </p:txBody>
+      </p:sp>
+      <p:sp>
+        <p:nvSpPr>
+          <p:cNvPr id="3" name="Tijdelijke aanduiding voor inhoud 2">
+            <a:extLst>
+              <a:ext uri="{FF2B5EF4-FFF2-40B4-BE49-F238E27FC236}">
+                <a16:creationId xmlns:a16="http://schemas.microsoft.com/office/drawing/2014/main" id="{0C497EC5-0E53-451E-9A6A-6A7435CDBDF4}"/>
+              </a:ext>
+            </a:extLst>
+          </p:cNvPr>
+          <p:cNvSpPr>
+            <a:spLocks noGrp="1"/>
+          </p:cNvSpPr>
+          <p:nvPr>
+            <p:ph idx="1"/>
+          </p:nvPr>
+        </p:nvSpPr>
+        <p:spPr/>
+        <p:txBody>
+          <a:bodyPr/>
+          <a:lstStyle/>
+          <a:p>
+            <a:r>
+              <a:rPr lang="nl-BE" dirty="0"/>
+              <a:t>Variabelen aanmaken</a:t>
+            </a:r>
+          </a:p>
+          <a:p>
+            <a:r>
+              <a:rPr lang="nl-BE" dirty="0"/>
+              <a:t>= operator</a:t>
+            </a:r>
+          </a:p>
+          <a:p>
+            <a:r>
+              <a:rPr lang="nl-BE" dirty="0" err="1"/>
+              <a:t>Literals</a:t>
+            </a:r>
+            <a:endParaRPr lang="nl-BE" dirty="0"/>
+          </a:p>
+          <a:p>
+            <a:endParaRPr lang="nl-BE" dirty="0"/>
+          </a:p>
+          <a:p>
+            <a:endParaRPr lang="nl-BE" dirty="0"/>
+          </a:p>
+        </p:txBody>
+      </p:sp>
+      <p:sp>
+        <p:nvSpPr>
+          <p:cNvPr id="4" name="Tijdelijke aanduiding voor voettekst 3">
+            <a:extLst>
+              <a:ext uri="{FF2B5EF4-FFF2-40B4-BE49-F238E27FC236}">
+                <a16:creationId xmlns:a16="http://schemas.microsoft.com/office/drawing/2014/main" id="{D096920B-D69A-472B-950F-3005BC5B29F5}"/>
+              </a:ext>
+            </a:extLst>
+          </p:cNvPr>
+          <p:cNvSpPr>
+            <a:spLocks noGrp="1"/>
+          </p:cNvSpPr>
+          <p:nvPr>
+            <p:ph type="ftr" sz="quarter" idx="11"/>
+          </p:nvPr>
+        </p:nvSpPr>
+        <p:spPr/>
+        <p:txBody>
+          <a:bodyPr/>
+          <a:lstStyle/>
+          <a:p>
+            <a:r>
+              <a:rPr lang="nl-BE"/>
+              <a:t>Zie scherp</a:t>
+            </a:r>
+            <a:endParaRPr lang="nl-BE" dirty="0"/>
+          </a:p>
+        </p:txBody>
+      </p:sp>
+      <p:pic>
+        <p:nvPicPr>
+          <p:cNvPr id="2050" name="Picture 2">
+            <a:extLst>
+              <a:ext uri="{FF2B5EF4-FFF2-40B4-BE49-F238E27FC236}">
+                <a16:creationId xmlns:a16="http://schemas.microsoft.com/office/drawing/2014/main" id="{10ACCB77-444E-4CE2-8971-A6B218E6DB4A}"/>
+              </a:ext>
+            </a:extLst>
+          </p:cNvPr>
+          <p:cNvPicPr>
+            <a:picLocks noChangeAspect="1" noChangeArrowheads="1"/>
+          </p:cNvPicPr>
+          <p:nvPr/>
+        </p:nvPicPr>
+        <p:blipFill>
+          <a:blip r:embed="rId2">
+            <a:extLst>
+              <a:ext uri="{28A0092B-C50C-407E-A947-70E740481C1C}">
+                <a14:useLocalDpi xmlns:a14="http://schemas.microsoft.com/office/drawing/2010/main" val="0"/>
+              </a:ext>
+            </a:extLst>
+          </a:blip>
+          <a:srcRect/>
+          <a:stretch>
+            <a:fillRect/>
+          </a:stretch>
+        </p:blipFill>
+        <p:spPr bwMode="auto">
+          <a:xfrm>
+            <a:off x="6494388" y="-353661"/>
+            <a:ext cx="5088012" cy="7565321"/>
+          </a:xfrm>
+          <a:prstGeom prst="rect">
+            <a:avLst/>
+          </a:prstGeom>
+          <a:noFill/>
+          <a:extLst>
+            <a:ext uri="{909E8E84-426E-40DD-AFC4-6F175D3DCCD1}">
+              <a14:hiddenFill xmlns:a14="http://schemas.microsoft.com/office/drawing/2010/main">
+                <a:solidFill>
+                  <a:srgbClr val="FFFFFF"/>
+                </a:solidFill>
+              </a14:hiddenFill>
+            </a:ext>
+          </a:extLst>
+        </p:spPr>
+      </p:pic>
+      <p:sp>
+        <p:nvSpPr>
+          <p:cNvPr id="6" name="Tijdelijke aanduiding voor dianummer 5">
+            <a:extLst>
+              <a:ext uri="{FF2B5EF4-FFF2-40B4-BE49-F238E27FC236}">
+                <a16:creationId xmlns:a16="http://schemas.microsoft.com/office/drawing/2014/main" id="{4C2D247D-CB46-42C2-BD5D-0E3892A4FBC5}"/>
+              </a:ext>
+            </a:extLst>
+          </p:cNvPr>
+          <p:cNvSpPr>
+            <a:spLocks noGrp="1"/>
+          </p:cNvSpPr>
+          <p:nvPr>
+            <p:ph type="sldNum" sz="quarter" idx="12"/>
+          </p:nvPr>
+        </p:nvSpPr>
+        <p:spPr/>
+        <p:txBody>
+          <a:bodyPr/>
+          <a:lstStyle/>
+          <a:p>
+            <a:fld id="{E8A62353-F7CD-46ED-8877-B27D0E33FCF8}" type="slidenum">
+              <a:rPr lang="nl-BE" smtClean="0"/>
+              <a:t>8</a:t>
+            </a:fld>
+            <a:endParaRPr lang="nl-BE"/>
+          </a:p>
+        </p:txBody>
+      </p:sp>
+    </p:spTree>
+    <p:extLst>
+      <p:ext uri="{BB962C8B-B14F-4D97-AF65-F5344CB8AC3E}">
+        <p14:creationId xmlns:p14="http://schemas.microsoft.com/office/powerpoint/2010/main" val="4096004467"/>
+      </p:ext>
+    </p:extLst>
+  </p:cSld>
+  <p:clrMapOvr>
+    <a:masterClrMapping/>
+  </p:clrMapOvr>
+  <p:timing>
+    <p:tnLst>
+      <p:par>
+        <p:cTn id="1" dur="indefinite" restart="never" nodeType="tmRoot">
+          <p:childTnLst>
+            <p:seq concurrent="1" nextAc="seek">
+              <p:cTn id="2" dur="indefinite" nodeType="mainSeq">
+                <p:childTnLst>
+                  <p:par>
+                    <p:cTn id="3" fill="hold">
+                      <p:stCondLst>
+                        <p:cond delay="indefinite"/>
+                      </p:stCondLst>
+                      <p:childTnLst>
+                        <p:par>
+                          <p:cTn id="4" fill="hold">
+                            <p:stCondLst>
+                              <p:cond delay="0"/>
+                            </p:stCondLst>
+                            <p:childTnLst>
+                              <p:par>
+                                <p:cTn id="5" presetID="45" presetClass="entr" presetSubtype="0" fill="hold" nodeType="clickEffect">
+                                  <p:stCondLst>
+                                    <p:cond delay="0"/>
+                                  </p:stCondLst>
+                                  <p:childTnLst>
+                                    <p:set>
+                                      <p:cBhvr>
+                                        <p:cTn id="6" dur="1" fill="hold">
+                                          <p:stCondLst>
+                                            <p:cond delay="0"/>
+                                          </p:stCondLst>
+                                        </p:cTn>
+                                        <p:tgtEl>
+                                          <p:spTgt spid="2050"/>
+                                        </p:tgtEl>
+                                        <p:attrNameLst>
+                                          <p:attrName>style.visibility</p:attrName>
+                                        </p:attrNameLst>
+                                      </p:cBhvr>
+                                      <p:to>
+                                        <p:strVal val="visible"/>
+                                      </p:to>
+                                    </p:set>
+                                    <p:animEffect transition="in" filter="fade">
+                                      <p:cBhvr>
+                                        <p:cTn id="7" dur="2000"/>
+                                        <p:tgtEl>
+                                          <p:spTgt spid="2050"/>
+                                        </p:tgtEl>
+                                      </p:cBhvr>
+                                    </p:animEffect>
+                                    <p:anim calcmode="lin" valueType="num">
+                                      <p:cBhvr>
+                                        <p:cTn id="8" dur="2000" fill="hold"/>
+                                        <p:tgtEl>
+                                          <p:spTgt spid="2050"/>
+                                        </p:tgtEl>
+                                        <p:attrNameLst>
+                                          <p:attrName>ppt_w</p:attrName>
+                                        </p:attrNameLst>
+                                      </p:cBhvr>
+                                      <p:tavLst>
+                                        <p:tav tm="0" fmla="#ppt_w*sin(2.5*pi*$)">
+                                          <p:val>
+                                            <p:fltVal val="0"/>
+                                          </p:val>
+                                        </p:tav>
+                                        <p:tav tm="100000">
+                                          <p:val>
+                                            <p:fltVal val="1"/>
+                                          </p:val>
+                                        </p:tav>
+                                      </p:tavLst>
+                                    </p:anim>
+                                    <p:anim calcmode="lin" valueType="num">
+                                      <p:cBhvr>
+                                        <p:cTn id="9" dur="2000" fill="hold"/>
+                                        <p:tgtEl>
+                                          <p:spTgt spid="2050"/>
+                                        </p:tgtEl>
+                                        <p:attrNameLst>
+                                          <p:attrName>ppt_h</p:attrName>
+                                        </p:attrNameLst>
+                                      </p:cBhvr>
+                                      <p:tavLst>
+                                        <p:tav tm="0">
+                                          <p:val>
+                                            <p:strVal val="#ppt_h"/>
+                                          </p:val>
+                                        </p:tav>
+                                        <p:tav tm="100000">
+                                          <p:val>
+                                            <p:strVal val="#ppt_h"/>
+                                          </p:val>
+                                        </p:tav>
+                                      </p:tavLst>
+                                    </p:anim>
+                                  </p:childTnLst>
+                                </p:cTn>
+                              </p:par>
+                            </p:childTnLst>
+                          </p:cTn>
+                        </p:par>
+                      </p:childTnLst>
+                    </p:cTn>
+                  </p:par>
+                </p:childTnLst>
+              </p:cTn>
+              <p:prevCondLst>
+                <p:cond evt="onPrev" delay="0">
+                  <p:tgtEl>
+                    <p:sldTgt/>
+                  </p:tgtEl>
+                </p:cond>
+              </p:prevCondLst>
+              <p:nextCondLst>
+                <p:cond evt="onNext" delay="0">
+                  <p:tgtEl>
+                    <p:sldTgt/>
+                  </p:tgtEl>
+                </p:cond>
+              </p:nextCondLst>
+            </p:seq>
+          </p:childTnLst>
+        </p:cTn>
+      </p:par>
+    </p:tnLst>
+  </p:timing>
+</p:sld>
+</file>
+
+<file path=ppt/slides/slide9.xml><?xml version="1.0" encoding="utf-8"?>
+<p:sld xmlns:a="http://schemas.openxmlformats.org/drawingml/2006/main" xmlns:r="http://schemas.openxmlformats.org/officeDocument/2006/relationships" xmlns:p="http://schemas.openxmlformats.org/presentationml/2006/main" show="0">
   <p:cSld>
     <p:spTree>
       <p:nvGrpSpPr>
@@ -13528,7 +14039,7 @@
           <a:p>
             <a:fld id="{E8A62353-F7CD-46ED-8877-B27D0E33FCF8}" type="slidenum">
               <a:rPr lang="nl-BE" smtClean="0"/>
-              <a:t>8</a:t>
+              <a:t>9</a:t>
             </a:fld>
             <a:endParaRPr lang="nl-BE"/>
           </a:p>
@@ -13538,343 +14049,6 @@
     <p:extLst>
       <p:ext uri="{BB962C8B-B14F-4D97-AF65-F5344CB8AC3E}">
         <p14:creationId xmlns:p14="http://schemas.microsoft.com/office/powerpoint/2010/main" val="1345727829"/>
-      </p:ext>
-    </p:extLst>
-  </p:cSld>
-  <p:clrMapOvr>
-    <a:masterClrMapping/>
-  </p:clrMapOvr>
-</p:sld>
-</file>
-
-<file path=ppt/slides/slide9.xml><?xml version="1.0" encoding="utf-8"?>
-<p:sld xmlns:a="http://schemas.openxmlformats.org/drawingml/2006/main" xmlns:r="http://schemas.openxmlformats.org/officeDocument/2006/relationships" xmlns:p="http://schemas.openxmlformats.org/presentationml/2006/main">
-  <p:cSld>
-    <p:spTree>
-      <p:nvGrpSpPr>
-        <p:cNvPr id="1" name=""/>
-        <p:cNvGrpSpPr/>
-        <p:nvPr/>
-      </p:nvGrpSpPr>
-      <p:grpSpPr>
-        <a:xfrm>
-          <a:off x="0" y="0"/>
-          <a:ext cx="0" cy="0"/>
-          <a:chOff x="0" y="0"/>
-          <a:chExt cx="0" cy="0"/>
-        </a:xfrm>
-      </p:grpSpPr>
-      <p:sp>
-        <p:nvSpPr>
-          <p:cNvPr id="147458" name="Titel 1"/>
-          <p:cNvSpPr>
-            <a:spLocks noGrp="1"/>
-          </p:cNvSpPr>
-          <p:nvPr>
-            <p:ph type="title"/>
-          </p:nvPr>
-        </p:nvSpPr>
-        <p:spPr/>
-        <p:txBody>
-          <a:bodyPr/>
-          <a:lstStyle/>
-          <a:p>
-            <a:r>
-              <a:rPr lang="nl-BE" dirty="0" err="1"/>
-              <a:t>Assignment</a:t>
-            </a:r>
-            <a:r>
-              <a:rPr lang="nl-BE" dirty="0"/>
-              <a:t> statement voorbeeld</a:t>
-            </a:r>
-          </a:p>
-        </p:txBody>
-      </p:sp>
-      <p:sp>
-        <p:nvSpPr>
-          <p:cNvPr id="147459" name="Tijdelijke aanduiding voor inhoud 2"/>
-          <p:cNvSpPr>
-            <a:spLocks noGrp="1"/>
-          </p:cNvSpPr>
-          <p:nvPr>
-            <p:ph idx="1"/>
-          </p:nvPr>
-        </p:nvSpPr>
-        <p:spPr/>
-        <p:txBody>
-          <a:bodyPr/>
-          <a:lstStyle/>
-          <a:p>
-            <a:endParaRPr lang="nl-BE"/>
-          </a:p>
-        </p:txBody>
-      </p:sp>
-      <p:pic>
-        <p:nvPicPr>
-          <p:cNvPr id="147461" name="Picture 2"/>
-          <p:cNvPicPr>
-            <a:picLocks noChangeAspect="1" noChangeArrowheads="1"/>
-          </p:cNvPicPr>
-          <p:nvPr/>
-        </p:nvPicPr>
-        <p:blipFill>
-          <a:blip r:embed="rId2">
-            <a:extLst>
-              <a:ext uri="{28A0092B-C50C-407E-A947-70E740481C1C}">
-                <a14:useLocalDpi xmlns:a14="http://schemas.microsoft.com/office/drawing/2010/main"/>
-              </a:ext>
-            </a:extLst>
-          </a:blip>
-          <a:srcRect/>
-          <a:stretch>
-            <a:fillRect/>
-          </a:stretch>
-        </p:blipFill>
-        <p:spPr bwMode="auto">
-          <a:xfrm>
-            <a:off x="2084389" y="1663700"/>
-            <a:ext cx="3729037" cy="2255838"/>
-          </a:xfrm>
-          <a:prstGeom prst="rect">
-            <a:avLst/>
-          </a:prstGeom>
-          <a:noFill/>
-          <a:ln>
-            <a:noFill/>
-          </a:ln>
-          <a:extLst>
-            <a:ext uri="{909E8E84-426E-40DD-AFC4-6F175D3DCCD1}">
-              <a14:hiddenFill xmlns:a14="http://schemas.microsoft.com/office/drawing/2010/main">
-                <a:solidFill>
-                  <a:srgbClr val="FFFFFF"/>
-                </a:solidFill>
-              </a14:hiddenFill>
-            </a:ext>
-            <a:ext uri="{91240B29-F687-4F45-9708-019B960494DF}">
-              <a14:hiddenLine xmlns:a14="http://schemas.microsoft.com/office/drawing/2010/main" w="9525">
-                <a:solidFill>
-                  <a:srgbClr val="000000"/>
-                </a:solidFill>
-                <a:miter lim="800000"/>
-                <a:headEnd/>
-                <a:tailEnd/>
-              </a14:hiddenLine>
-            </a:ext>
-          </a:extLst>
-        </p:spPr>
-      </p:pic>
-      <p:sp>
-        <p:nvSpPr>
-          <p:cNvPr id="7" name="Rechthoek 6"/>
-          <p:cNvSpPr/>
-          <p:nvPr/>
-        </p:nvSpPr>
-        <p:spPr bwMode="auto">
-          <a:xfrm>
-            <a:off x="5797550" y="1412776"/>
-            <a:ext cx="4870450" cy="5153124"/>
-          </a:xfrm>
-          <a:prstGeom prst="rect">
-            <a:avLst/>
-          </a:prstGeom>
-          <a:ln>
-            <a:headEnd type="none" w="med" len="med"/>
-            <a:tailEnd type="none" w="med" len="med"/>
-          </a:ln>
-        </p:spPr>
-        <p:style>
-          <a:lnRef idx="2">
-            <a:schemeClr val="accent4"/>
-          </a:lnRef>
-          <a:fillRef idx="1">
-            <a:schemeClr val="lt1"/>
-          </a:fillRef>
-          <a:effectRef idx="0">
-            <a:schemeClr val="accent4"/>
-          </a:effectRef>
-          <a:fontRef idx="minor">
-            <a:schemeClr val="dk1"/>
-          </a:fontRef>
-        </p:style>
-        <p:txBody>
-          <a:bodyPr/>
-          <a:lstStyle/>
-          <a:p>
-            <a:pPr eaLnBrk="0" fontAlgn="base" hangingPunct="0">
-              <a:spcBef>
-                <a:spcPct val="0"/>
-              </a:spcBef>
-              <a:spcAft>
-                <a:spcPct val="0"/>
-              </a:spcAft>
-              <a:defRPr/>
-            </a:pPr>
-            <a:r>
-              <a:rPr lang="nl-BE" dirty="0">
-                <a:solidFill>
-                  <a:srgbClr val="666666"/>
-                </a:solidFill>
-              </a:rPr>
-              <a:t>Aanmaken van 3 variabelen van het type integer (gehele getallen).</a:t>
-            </a:r>
-          </a:p>
-          <a:p>
-            <a:pPr eaLnBrk="0" fontAlgn="base" hangingPunct="0">
-              <a:spcBef>
-                <a:spcPct val="0"/>
-              </a:spcBef>
-              <a:spcAft>
-                <a:spcPct val="0"/>
-              </a:spcAft>
-              <a:defRPr/>
-            </a:pPr>
-            <a:endParaRPr lang="nl-BE" dirty="0">
-              <a:solidFill>
-                <a:srgbClr val="666666"/>
-              </a:solidFill>
-            </a:endParaRPr>
-          </a:p>
-          <a:p>
-            <a:pPr eaLnBrk="0" fontAlgn="base" hangingPunct="0">
-              <a:spcBef>
-                <a:spcPct val="0"/>
-              </a:spcBef>
-              <a:spcAft>
-                <a:spcPct val="0"/>
-              </a:spcAft>
-              <a:defRPr/>
-            </a:pPr>
-            <a:endParaRPr lang="nl-BE" dirty="0">
-              <a:solidFill>
-                <a:srgbClr val="666666"/>
-              </a:solidFill>
-            </a:endParaRPr>
-          </a:p>
-        </p:txBody>
-      </p:sp>
-      <p:sp>
-        <p:nvSpPr>
-          <p:cNvPr id="8" name="Rechthoek 7"/>
-          <p:cNvSpPr/>
-          <p:nvPr/>
-        </p:nvSpPr>
-        <p:spPr bwMode="auto">
-          <a:xfrm>
-            <a:off x="2798763" y="2481263"/>
-            <a:ext cx="2735262" cy="366712"/>
-          </a:xfrm>
-          <a:prstGeom prst="rect">
-            <a:avLst/>
-          </a:prstGeom>
-          <a:solidFill>
-            <a:srgbClr val="FF8800">
-              <a:alpha val="23137"/>
-            </a:srgbClr>
-          </a:solidFill>
-          <a:ln>
-            <a:headEnd type="none" w="med" len="med"/>
-            <a:tailEnd type="none" w="med" len="med"/>
-          </a:ln>
-        </p:spPr>
-        <p:style>
-          <a:lnRef idx="2">
-            <a:schemeClr val="accent1">
-              <a:shade val="50000"/>
-            </a:schemeClr>
-          </a:lnRef>
-          <a:fillRef idx="1">
-            <a:schemeClr val="accent1"/>
-          </a:fillRef>
-          <a:effectRef idx="0">
-            <a:schemeClr val="accent1"/>
-          </a:effectRef>
-          <a:fontRef idx="minor">
-            <a:schemeClr val="lt1"/>
-          </a:fontRef>
-        </p:style>
-        <p:txBody>
-          <a:bodyPr/>
-          <a:lstStyle/>
-          <a:p>
-            <a:pPr eaLnBrk="0" fontAlgn="base" hangingPunct="0">
-              <a:spcBef>
-                <a:spcPct val="0"/>
-              </a:spcBef>
-              <a:spcAft>
-                <a:spcPct val="0"/>
-              </a:spcAft>
-              <a:defRPr/>
-            </a:pPr>
-            <a:endParaRPr lang="nl-BE">
-              <a:solidFill>
-                <a:srgbClr val="666666"/>
-              </a:solidFill>
-            </a:endParaRPr>
-          </a:p>
-        </p:txBody>
-      </p:sp>
-      <p:sp>
-        <p:nvSpPr>
-          <p:cNvPr id="2" name="Tijdelijke aanduiding voor voettekst 1">
-            <a:extLst>
-              <a:ext uri="{FF2B5EF4-FFF2-40B4-BE49-F238E27FC236}">
-                <a16:creationId xmlns:a16="http://schemas.microsoft.com/office/drawing/2014/main" id="{E192E233-BEAC-41DB-96D4-68810F327C3D}"/>
-              </a:ext>
-            </a:extLst>
-          </p:cNvPr>
-          <p:cNvSpPr>
-            <a:spLocks noGrp="1"/>
-          </p:cNvSpPr>
-          <p:nvPr>
-            <p:ph type="ftr" sz="quarter" idx="11"/>
-          </p:nvPr>
-        </p:nvSpPr>
-        <p:spPr/>
-        <p:txBody>
-          <a:bodyPr/>
-          <a:lstStyle/>
-          <a:p>
-            <a:r>
-              <a:rPr lang="nl-BE"/>
-              <a:t>Zie Scherp</a:t>
-            </a:r>
-            <a:endParaRPr lang="nl-BE" dirty="0"/>
-          </a:p>
-        </p:txBody>
-      </p:sp>
-      <p:sp>
-        <p:nvSpPr>
-          <p:cNvPr id="3" name="Tijdelijke aanduiding voor dianummer 2">
-            <a:extLst>
-              <a:ext uri="{FF2B5EF4-FFF2-40B4-BE49-F238E27FC236}">
-                <a16:creationId xmlns:a16="http://schemas.microsoft.com/office/drawing/2014/main" id="{9070BFE2-9821-451B-9E88-295C2DD5B86A}"/>
-              </a:ext>
-            </a:extLst>
-          </p:cNvPr>
-          <p:cNvSpPr>
-            <a:spLocks noGrp="1"/>
-          </p:cNvSpPr>
-          <p:nvPr>
-            <p:ph type="sldNum" sz="quarter" idx="12"/>
-          </p:nvPr>
-        </p:nvSpPr>
-        <p:spPr/>
-        <p:txBody>
-          <a:bodyPr/>
-          <a:lstStyle/>
-          <a:p>
-            <a:fld id="{E8A62353-F7CD-46ED-8877-B27D0E33FCF8}" type="slidenum">
-              <a:rPr lang="nl-BE" smtClean="0"/>
-              <a:t>9</a:t>
-            </a:fld>
-            <a:endParaRPr lang="nl-BE"/>
-          </a:p>
-        </p:txBody>
-      </p:sp>
-    </p:spTree>
-    <p:extLst>
-      <p:ext uri="{BB962C8B-B14F-4D97-AF65-F5344CB8AC3E}">
-        <p14:creationId xmlns:p14="http://schemas.microsoft.com/office/powerpoint/2010/main" val="429922578"/>
       </p:ext>
     </p:extLst>
   </p:cSld>

--- a/_SLIDES/2020/H2- De basiconcepten van cs/H2_3_Variabelen.pptx
+++ b/_SLIDES/2020/H2- De basiconcepten van cs/H2_3_Variabelen.pptx
@@ -32,19 +32,20 @@
       <p:font typeface="Archivo Narrow" panose="020B0506020202020B04" pitchFamily="34" charset="0"/>
       <p:regular r:id="rId17"/>
       <p:bold r:id="rId18"/>
+      <p:italic r:id="rId19"/>
     </p:embeddedFont>
     <p:embeddedFont>
       <p:font typeface="Blogger Sans" panose="02000506030000020004" pitchFamily="50" charset="0"/>
-      <p:regular r:id="rId19"/>
-      <p:bold r:id="rId20"/>
-      <p:italic r:id="rId21"/>
+      <p:regular r:id="rId20"/>
+      <p:bold r:id="rId21"/>
+      <p:italic r:id="rId22"/>
     </p:embeddedFont>
     <p:embeddedFont>
       <p:font typeface="Calibri" panose="020F0502020204030204" pitchFamily="34" charset="0"/>
-      <p:regular r:id="rId22"/>
-      <p:bold r:id="rId23"/>
-      <p:italic r:id="rId24"/>
-      <p:boldItalic r:id="rId25"/>
+      <p:regular r:id="rId23"/>
+      <p:bold r:id="rId24"/>
+      <p:italic r:id="rId25"/>
+      <p:boldItalic r:id="rId26"/>
     </p:embeddedFont>
   </p:embeddedFontLst>
   <p:defaultTextStyle>
@@ -1878,10 +1879,10 @@
         <a:lstStyle/>
         <a:p>
           <a:r>
-            <a:rPr lang="nl-BE"/>
+            <a:rPr lang="nl-BE" dirty="0"/>
             <a:t>Meerdere tegelijk met komma (enkel indien zelfde datatype)</a:t>
           </a:r>
-          <a:endParaRPr lang="en-US"/>
+          <a:endParaRPr lang="en-US" dirty="0"/>
         </a:p>
       </dgm:t>
     </dgm:pt>
@@ -2286,8 +2287,8 @@
       </dsp:nvSpPr>
       <dsp:spPr>
         <a:xfrm>
-          <a:off x="0" y="1947335"/>
-          <a:ext cx="6513603" cy="552825"/>
+          <a:off x="0" y="1710199"/>
+          <a:ext cx="8204192" cy="722925"/>
         </a:xfrm>
         <a:prstGeom prst="rect">
           <a:avLst/>
@@ -2328,12 +2329,12 @@
         <a:fontRef idx="minor"/>
       </dsp:style>
       <dsp:txBody>
-        <a:bodyPr spcFirstLastPara="0" vert="horz" wrap="square" lIns="505528" tIns="270764" rIns="505528" bIns="92456" numCol="1" spcCol="1270" anchor="t" anchorCtr="0">
+        <a:bodyPr spcFirstLastPara="0" vert="horz" wrap="square" lIns="636736" tIns="354076" rIns="636736" bIns="120904" numCol="1" spcCol="1270" anchor="t" anchorCtr="0">
           <a:noAutofit/>
         </a:bodyPr>
         <a:lstStyle/>
         <a:p>
-          <a:pPr marL="114300" lvl="1" indent="-114300" algn="l" defTabSz="577850">
+          <a:pPr marL="171450" lvl="1" indent="-171450" algn="l" defTabSz="755650">
             <a:lnSpc>
               <a:spcPct val="90000"/>
             </a:lnSpc>
@@ -2346,15 +2347,15 @@
             <a:buChar char="•"/>
           </a:pPr>
           <a:r>
-            <a:rPr lang="nl-BE" sz="1300" kern="1200"/>
+            <a:rPr lang="nl-BE" sz="1700" kern="1200"/>
             <a:t>Bv int getal;</a:t>
           </a:r>
-          <a:endParaRPr lang="en-US" sz="1300" kern="1200"/>
+          <a:endParaRPr lang="en-US" sz="1700" kern="1200"/>
         </a:p>
       </dsp:txBody>
       <dsp:txXfrm>
-        <a:off x="0" y="1947335"/>
-        <a:ext cx="6513603" cy="552825"/>
+        <a:off x="0" y="1710199"/>
+        <a:ext cx="8204192" cy="722925"/>
       </dsp:txXfrm>
     </dsp:sp>
     <dsp:sp modelId="{09EA17C9-C1B4-4640-92D3-C1D6223CD351}">
@@ -2364,8 +2365,8 @@
       </dsp:nvSpPr>
       <dsp:spPr>
         <a:xfrm>
-          <a:off x="325680" y="1755455"/>
-          <a:ext cx="4559522" cy="383760"/>
+          <a:off x="410209" y="1459279"/>
+          <a:ext cx="5742934" cy="501840"/>
         </a:xfrm>
         <a:prstGeom prst="roundRect">
           <a:avLst/>
@@ -2407,12 +2408,12 @@
         </a:fontRef>
       </dsp:style>
       <dsp:txBody>
-        <a:bodyPr spcFirstLastPara="0" vert="horz" wrap="square" lIns="172339" tIns="0" rIns="172339" bIns="0" numCol="1" spcCol="1270" anchor="ctr" anchorCtr="0">
+        <a:bodyPr spcFirstLastPara="0" vert="horz" wrap="square" lIns="217069" tIns="0" rIns="217069" bIns="0" numCol="1" spcCol="1270" anchor="ctr" anchorCtr="0">
           <a:noAutofit/>
         </a:bodyPr>
         <a:lstStyle/>
         <a:p>
-          <a:pPr marL="0" lvl="0" indent="0" algn="l" defTabSz="577850">
+          <a:pPr marL="0" lvl="0" indent="0" algn="l" defTabSz="755650">
             <a:lnSpc>
               <a:spcPct val="90000"/>
             </a:lnSpc>
@@ -2425,15 +2426,15 @@
             <a:buNone/>
           </a:pPr>
           <a:r>
-            <a:rPr lang="nl-BE" sz="1300" kern="1200"/>
+            <a:rPr lang="nl-BE" sz="1700" kern="1200"/>
             <a:t>[datatype] [identifier];</a:t>
           </a:r>
-          <a:endParaRPr lang="en-US" sz="1300" kern="1200"/>
+          <a:endParaRPr lang="en-US" sz="1700" kern="1200"/>
         </a:p>
       </dsp:txBody>
       <dsp:txXfrm>
-        <a:off x="344414" y="1774189"/>
-        <a:ext cx="4522054" cy="346292"/>
+        <a:off x="434707" y="1483777"/>
+        <a:ext cx="5693938" cy="452844"/>
       </dsp:txXfrm>
     </dsp:sp>
     <dsp:sp modelId="{44BD9B52-4351-4194-B3CD-AA28FC3BD819}">
@@ -2443,8 +2444,8 @@
       </dsp:nvSpPr>
       <dsp:spPr>
         <a:xfrm>
-          <a:off x="0" y="2762240"/>
-          <a:ext cx="6513603" cy="552825"/>
+          <a:off x="0" y="2775844"/>
+          <a:ext cx="8204192" cy="722925"/>
         </a:xfrm>
         <a:prstGeom prst="rect">
           <a:avLst/>
@@ -2485,12 +2486,12 @@
         <a:fontRef idx="minor"/>
       </dsp:style>
       <dsp:txBody>
-        <a:bodyPr spcFirstLastPara="0" vert="horz" wrap="square" lIns="505528" tIns="270764" rIns="505528" bIns="92456" numCol="1" spcCol="1270" anchor="t" anchorCtr="0">
+        <a:bodyPr spcFirstLastPara="0" vert="horz" wrap="square" lIns="636736" tIns="354076" rIns="636736" bIns="120904" numCol="1" spcCol="1270" anchor="t" anchorCtr="0">
           <a:noAutofit/>
         </a:bodyPr>
         <a:lstStyle/>
         <a:p>
-          <a:pPr marL="114300" lvl="1" indent="-114300" algn="l" defTabSz="577850">
+          <a:pPr marL="171450" lvl="1" indent="-171450" algn="l" defTabSz="755650">
             <a:lnSpc>
               <a:spcPct val="90000"/>
             </a:lnSpc>
@@ -2503,15 +2504,15 @@
             <a:buChar char="•"/>
           </a:pPr>
           <a:r>
-            <a:rPr lang="nl-BE" sz="1300" kern="1200"/>
+            <a:rPr lang="nl-BE" sz="1700" kern="1200"/>
             <a:t>Bv int getal=4;</a:t>
           </a:r>
-          <a:endParaRPr lang="en-US" sz="1300" kern="1200"/>
+          <a:endParaRPr lang="en-US" sz="1700" kern="1200"/>
         </a:p>
       </dsp:txBody>
       <dsp:txXfrm>
-        <a:off x="0" y="2762240"/>
-        <a:ext cx="6513603" cy="552825"/>
+        <a:off x="0" y="2775844"/>
+        <a:ext cx="8204192" cy="722925"/>
       </dsp:txXfrm>
     </dsp:sp>
     <dsp:sp modelId="{9873C5EF-283B-4BC1-A10B-96210A12EBC8}">
@@ -2521,8 +2522,8 @@
       </dsp:nvSpPr>
       <dsp:spPr>
         <a:xfrm>
-          <a:off x="325680" y="2570360"/>
-          <a:ext cx="4559522" cy="383760"/>
+          <a:off x="410209" y="2524924"/>
+          <a:ext cx="5742934" cy="501840"/>
         </a:xfrm>
         <a:prstGeom prst="roundRect">
           <a:avLst/>
@@ -2564,12 +2565,12 @@
         </a:fontRef>
       </dsp:style>
       <dsp:txBody>
-        <a:bodyPr spcFirstLastPara="0" vert="horz" wrap="square" lIns="172339" tIns="0" rIns="172339" bIns="0" numCol="1" spcCol="1270" anchor="ctr" anchorCtr="0">
+        <a:bodyPr spcFirstLastPara="0" vert="horz" wrap="square" lIns="217069" tIns="0" rIns="217069" bIns="0" numCol="1" spcCol="1270" anchor="ctr" anchorCtr="0">
           <a:noAutofit/>
         </a:bodyPr>
         <a:lstStyle/>
         <a:p>
-          <a:pPr marL="0" lvl="0" indent="0" algn="l" defTabSz="577850">
+          <a:pPr marL="0" lvl="0" indent="0" algn="l" defTabSz="755650">
             <a:lnSpc>
               <a:spcPct val="90000"/>
             </a:lnSpc>
@@ -2582,15 +2583,15 @@
             <a:buNone/>
           </a:pPr>
           <a:r>
-            <a:rPr lang="nl-BE" sz="1300" kern="1200" dirty="0"/>
+            <a:rPr lang="nl-BE" sz="1700" kern="1200" dirty="0"/>
             <a:t>Optioneel beginwaarde geven</a:t>
           </a:r>
-          <a:endParaRPr lang="en-US" sz="1300" kern="1200" dirty="0"/>
+          <a:endParaRPr lang="en-US" sz="1700" kern="1200" dirty="0"/>
         </a:p>
       </dsp:txBody>
       <dsp:txXfrm>
-        <a:off x="344414" y="2589094"/>
-        <a:ext cx="4522054" cy="346292"/>
+        <a:off x="434707" y="2549422"/>
+        <a:ext cx="5693938" cy="452844"/>
       </dsp:txXfrm>
     </dsp:sp>
     <dsp:sp modelId="{B7F8FF0D-98A4-400B-84EC-F82D4A439C84}">
@@ -2600,8 +2601,8 @@
       </dsp:nvSpPr>
       <dsp:spPr>
         <a:xfrm>
-          <a:off x="0" y="3577145"/>
-          <a:ext cx="6513603" cy="552825"/>
+          <a:off x="0" y="3841489"/>
+          <a:ext cx="8204192" cy="722925"/>
         </a:xfrm>
         <a:prstGeom prst="rect">
           <a:avLst/>
@@ -2642,12 +2643,12 @@
         <a:fontRef idx="minor"/>
       </dsp:style>
       <dsp:txBody>
-        <a:bodyPr spcFirstLastPara="0" vert="horz" wrap="square" lIns="505528" tIns="270764" rIns="505528" bIns="92456" numCol="1" spcCol="1270" anchor="t" anchorCtr="0">
+        <a:bodyPr spcFirstLastPara="0" vert="horz" wrap="square" lIns="636736" tIns="354076" rIns="636736" bIns="120904" numCol="1" spcCol="1270" anchor="t" anchorCtr="0">
           <a:noAutofit/>
         </a:bodyPr>
         <a:lstStyle/>
         <a:p>
-          <a:pPr marL="114300" lvl="1" indent="-114300" algn="l" defTabSz="577850">
+          <a:pPr marL="171450" lvl="1" indent="-171450" algn="l" defTabSz="755650">
             <a:lnSpc>
               <a:spcPct val="90000"/>
             </a:lnSpc>
@@ -2660,15 +2661,15 @@
             <a:buChar char="•"/>
           </a:pPr>
           <a:r>
-            <a:rPr lang="nl-BE" sz="1300" kern="1200"/>
+            <a:rPr lang="nl-BE" sz="1700" kern="1200"/>
             <a:t>Bv int lengte, leeftijd, gewicht;</a:t>
           </a:r>
-          <a:endParaRPr lang="en-US" sz="1300" kern="1200"/>
+          <a:endParaRPr lang="en-US" sz="1700" kern="1200"/>
         </a:p>
       </dsp:txBody>
       <dsp:txXfrm>
-        <a:off x="0" y="3577145"/>
-        <a:ext cx="6513603" cy="552825"/>
+        <a:off x="0" y="3841489"/>
+        <a:ext cx="8204192" cy="722925"/>
       </dsp:txXfrm>
     </dsp:sp>
     <dsp:sp modelId="{1DC728CB-EFE3-4E2E-BA3E-E94DD48452F7}">
@@ -2678,8 +2679,8 @@
       </dsp:nvSpPr>
       <dsp:spPr>
         <a:xfrm>
-          <a:off x="325680" y="3385265"/>
-          <a:ext cx="4559522" cy="383760"/>
+          <a:off x="410209" y="3590569"/>
+          <a:ext cx="5742934" cy="501840"/>
         </a:xfrm>
         <a:prstGeom prst="roundRect">
           <a:avLst/>
@@ -2721,12 +2722,12 @@
         </a:fontRef>
       </dsp:style>
       <dsp:txBody>
-        <a:bodyPr spcFirstLastPara="0" vert="horz" wrap="square" lIns="172339" tIns="0" rIns="172339" bIns="0" numCol="1" spcCol="1270" anchor="ctr" anchorCtr="0">
+        <a:bodyPr spcFirstLastPara="0" vert="horz" wrap="square" lIns="217069" tIns="0" rIns="217069" bIns="0" numCol="1" spcCol="1270" anchor="ctr" anchorCtr="0">
           <a:noAutofit/>
         </a:bodyPr>
         <a:lstStyle/>
         <a:p>
-          <a:pPr marL="0" lvl="0" indent="0" algn="l" defTabSz="577850">
+          <a:pPr marL="0" lvl="0" indent="0" algn="l" defTabSz="755650">
             <a:lnSpc>
               <a:spcPct val="90000"/>
             </a:lnSpc>
@@ -2739,15 +2740,15 @@
             <a:buNone/>
           </a:pPr>
           <a:r>
-            <a:rPr lang="nl-BE" sz="1300" kern="1200"/>
+            <a:rPr lang="nl-BE" sz="1700" kern="1200" dirty="0"/>
             <a:t>Meerdere tegelijk met komma (enkel indien zelfde datatype)</a:t>
           </a:r>
-          <a:endParaRPr lang="en-US" sz="1300" kern="1200"/>
+          <a:endParaRPr lang="en-US" sz="1700" kern="1200" dirty="0"/>
         </a:p>
       </dsp:txBody>
       <dsp:txXfrm>
-        <a:off x="344414" y="3403999"/>
-        <a:ext cx="4522054" cy="346292"/>
+        <a:off x="434707" y="3615067"/>
+        <a:ext cx="5693938" cy="452844"/>
       </dsp:txXfrm>
     </dsp:sp>
   </dsp:spTree>
@@ -6010,7 +6011,7 @@
           <a:p>
             <a:fld id="{85EE1F57-E73E-475C-872F-886F27274373}" type="datetimeFigureOut">
               <a:rPr lang="nl-BE" smtClean="0"/>
-              <a:t>10/09/2020</a:t>
+              <a:t>16/09/2020</a:t>
             </a:fld>
             <a:endParaRPr lang="nl-BE"/>
           </a:p>
@@ -6175,7 +6176,7 @@
           <a:p>
             <a:fld id="{E0BBF532-A5DD-4E27-82A5-D972027CDA5D}" type="datetimeFigureOut">
               <a:rPr lang="nl-BE" smtClean="0"/>
-              <a:t>10/09/2020</a:t>
+              <a:t>16/09/2020</a:t>
             </a:fld>
             <a:endParaRPr lang="nl-BE"/>
           </a:p>
@@ -6698,7 +6699,7 @@
           <a:p>
             <a:fld id="{13F52934-E233-411B-B348-2C593D52BE54}" type="datetime1">
               <a:rPr lang="nl-BE" smtClean="0"/>
-              <a:t>10/09/2020</a:t>
+              <a:t>16/09/2020</a:t>
             </a:fld>
             <a:endParaRPr lang="nl-BE" dirty="0"/>
           </a:p>
@@ -6995,7 +6996,7 @@
           <a:p>
             <a:fld id="{2CF6BB67-8D8F-434F-9FF4-CB7540FA5CCF}" type="datetime1">
               <a:rPr lang="nl-BE" smtClean="0"/>
-              <a:t>10/09/2020</a:t>
+              <a:t>16/09/2020</a:t>
             </a:fld>
             <a:endParaRPr lang="nl-BE"/>
           </a:p>
@@ -7208,7 +7209,7 @@
           <a:p>
             <a:fld id="{147BFD0D-0FBD-4EE5-844C-0E6C2D5E6C7F}" type="datetime1">
               <a:rPr lang="nl-BE" smtClean="0"/>
-              <a:t>10/09/2020</a:t>
+              <a:t>16/09/2020</a:t>
             </a:fld>
             <a:endParaRPr lang="nl-BE"/>
           </a:p>
@@ -7441,7 +7442,7 @@
           <a:p>
             <a:fld id="{BBC6551F-B07A-44F4-94BA-F59D63D2C27B}" type="datetime1">
               <a:rPr lang="nl-BE" smtClean="0"/>
-              <a:t>10/09/2020</a:t>
+              <a:t>16/09/2020</a:t>
             </a:fld>
             <a:endParaRPr lang="nl-BE"/>
           </a:p>
@@ -7721,7 +7722,7 @@
           <a:p>
             <a:fld id="{2780C136-0C76-4A2C-8EA6-C6738C3209ED}" type="datetime1">
               <a:rPr lang="nl-BE" smtClean="0"/>
-              <a:t>10/09/2020</a:t>
+              <a:t>16/09/2020</a:t>
             </a:fld>
             <a:endParaRPr lang="nl-BE"/>
           </a:p>
@@ -7992,7 +7993,7 @@
           <a:p>
             <a:fld id="{56C85B3A-6340-4B3D-9DBA-3C3A534F9D72}" type="datetime1">
               <a:rPr lang="nl-BE" smtClean="0"/>
-              <a:t>10/09/2020</a:t>
+              <a:t>16/09/2020</a:t>
             </a:fld>
             <a:endParaRPr lang="nl-BE"/>
           </a:p>
@@ -8410,7 +8411,7 @@
           <a:p>
             <a:fld id="{3EEAB8EA-6EB4-4343-BBF4-C3D052796CBF}" type="datetime1">
               <a:rPr lang="nl-BE" smtClean="0"/>
-              <a:t>10/09/2020</a:t>
+              <a:t>16/09/2020</a:t>
             </a:fld>
             <a:endParaRPr lang="nl-BE"/>
           </a:p>
@@ -8555,7 +8556,7 @@
           <a:p>
             <a:fld id="{CA0304BA-24AF-460D-91C1-1D207B849056}" type="datetime1">
               <a:rPr lang="nl-BE" smtClean="0"/>
-              <a:t>10/09/2020</a:t>
+              <a:t>16/09/2020</a:t>
             </a:fld>
             <a:endParaRPr lang="nl-BE"/>
           </a:p>
@@ -8794,7 +8795,7 @@
           <a:p>
             <a:fld id="{F1DE6926-B650-4BF9-8F10-127EAD338B93}" type="datetime1">
               <a:rPr lang="nl-BE" smtClean="0"/>
-              <a:t>10/09/2020</a:t>
+              <a:t>16/09/2020</a:t>
             </a:fld>
             <a:endParaRPr lang="nl-BE"/>
           </a:p>
@@ -9110,7 +9111,7 @@
           <a:p>
             <a:fld id="{E5FC8B8E-6649-4680-97A0-578157D38199}" type="datetime1">
               <a:rPr lang="nl-BE" smtClean="0"/>
-              <a:t>10/09/2020</a:t>
+              <a:t>16/09/2020</a:t>
             </a:fld>
             <a:endParaRPr lang="nl-BE"/>
           </a:p>
@@ -9406,7 +9407,7 @@
           <a:p>
             <a:fld id="{EBEC64FC-DBFC-4BC4-90ED-A9A519DDE6A1}" type="datetime1">
               <a:rPr lang="nl-BE" smtClean="0"/>
-              <a:t>10/09/2020</a:t>
+              <a:t>16/09/2020</a:t>
             </a:fld>
             <a:endParaRPr lang="nl-BE"/>
           </a:p>
@@ -9652,7 +9653,7 @@
           <a:p>
             <a:fld id="{DBC0937C-F722-4570-AB64-D1FB4CE6186D}" type="datetime1">
               <a:rPr lang="nl-BE" smtClean="0"/>
-              <a:t>10/09/2020</a:t>
+              <a:t>16/09/2020</a:t>
             </a:fld>
             <a:endParaRPr lang="nl-BE"/>
           </a:p>
@@ -12247,11 +12248,16 @@
           </p:cNvGraphicFramePr>
           <p:nvPr>
             <p:ph idx="1"/>
+            <p:extLst>
+              <p:ext uri="{D42A27DB-BD31-4B8C-83A1-F6EECF244321}">
+                <p14:modId xmlns:p14="http://schemas.microsoft.com/office/powerpoint/2010/main" val="3796619031"/>
+              </p:ext>
+            </p:extLst>
           </p:nvPr>
         </p:nvGraphicFramePr>
         <p:xfrm>
-          <a:off x="5194300" y="470924"/>
-          <a:ext cx="6513604" cy="5885426"/>
+          <a:off x="3503712" y="332656"/>
+          <a:ext cx="8204192" cy="6023694"/>
         </p:xfrm>
         <a:graphic>
           <a:graphicData uri="http://schemas.openxmlformats.org/drawingml/2006/diagram">
@@ -12391,8 +12397,17 @@
             </a:pPr>
             <a:r>
               <a:rPr lang="nl-BE" sz="2400" dirty="0"/>
-              <a:t>= operator</a:t>
-            </a:r>
+              <a:t>= operator  (</a:t>
+            </a:r>
+            <a:r>
+              <a:rPr lang="nl-BE" sz="2400" i="1" dirty="0" err="1"/>
+              <a:t>toekenninsoperator</a:t>
+            </a:r>
+            <a:r>
+              <a:rPr lang="nl-BE" sz="2400" i="1" dirty="0"/>
+              <a:t>)</a:t>
+            </a:r>
+            <a:endParaRPr lang="nl-BE" sz="2400" dirty="0"/>
           </a:p>
           <a:p>
             <a:pPr lvl="1"/>
@@ -13531,135 +13546,6 @@
   <p:clrMapOvr>
     <a:masterClrMapping/>
   </p:clrMapOvr>
-  <p:timing>
-    <p:tnLst>
-      <p:par>
-        <p:cTn id="1" dur="indefinite" restart="never" nodeType="tmRoot">
-          <p:childTnLst>
-            <p:seq concurrent="1" nextAc="seek">
-              <p:cTn id="2" dur="indefinite" nodeType="mainSeq">
-                <p:childTnLst>
-                  <p:par>
-                    <p:cTn id="3" fill="hold">
-                      <p:stCondLst>
-                        <p:cond delay="indefinite"/>
-                      </p:stCondLst>
-                      <p:childTnLst>
-                        <p:par>
-                          <p:cTn id="4" fill="hold">
-                            <p:stCondLst>
-                              <p:cond delay="0"/>
-                            </p:stCondLst>
-                            <p:childTnLst>
-                              <p:par>
-                                <p:cTn id="5" presetID="45" presetClass="entr" presetSubtype="0" fill="hold" nodeType="clickEffect">
-                                  <p:stCondLst>
-                                    <p:cond delay="0"/>
-                                  </p:stCondLst>
-                                  <p:childTnLst>
-                                    <p:set>
-                                      <p:cBhvr>
-                                        <p:cTn id="6" dur="1" fill="hold">
-                                          <p:stCondLst>
-                                            <p:cond delay="0"/>
-                                          </p:stCondLst>
-                                        </p:cTn>
-                                        <p:tgtEl>
-                                          <p:spTgt spid="2050"/>
-                                        </p:tgtEl>
-                                        <p:attrNameLst>
-                                          <p:attrName>style.visibility</p:attrName>
-                                        </p:attrNameLst>
-                                      </p:cBhvr>
-                                      <p:to>
-                                        <p:strVal val="visible"/>
-                                      </p:to>
-                                    </p:set>
-                                    <p:animEffect transition="in" filter="fade">
-                                      <p:cBhvr>
-                                        <p:cTn id="7" dur="2000"/>
-                                        <p:tgtEl>
-                                          <p:spTgt spid="2050"/>
-                                        </p:tgtEl>
-                                      </p:cBhvr>
-                                    </p:animEffect>
-                                    <p:anim calcmode="lin" valueType="num">
-                                      <p:cBhvr>
-                                        <p:cTn id="8" dur="2000" fill="hold"/>
-                                        <p:tgtEl>
-                                          <p:spTgt spid="2050"/>
-                                        </p:tgtEl>
-                                        <p:attrNameLst>
-                                          <p:attrName>ppt_w</p:attrName>
-                                        </p:attrNameLst>
-                                      </p:cBhvr>
-                                      <p:tavLst>
-                                        <p:tav tm="0" fmla="#ppt_w*sin(2.5*pi*$)">
-                                          <p:val>
-                                            <p:fltVal val="0"/>
-                                          </p:val>
-                                        </p:tav>
-                                        <p:tav tm="100000">
-                                          <p:val>
-                                            <p:fltVal val="1"/>
-                                          </p:val>
-                                        </p:tav>
-                                      </p:tavLst>
-                                    </p:anim>
-                                    <p:anim calcmode="lin" valueType="num">
-                                      <p:cBhvr>
-                                        <p:cTn id="9" dur="2000" fill="hold"/>
-                                        <p:tgtEl>
-                                          <p:spTgt spid="2050"/>
-                                        </p:tgtEl>
-                                        <p:attrNameLst>
-                                          <p:attrName>ppt_h</p:attrName>
-                                        </p:attrNameLst>
-                                      </p:cBhvr>
-                                      <p:tavLst>
-                                        <p:tav tm="0">
-                                          <p:val>
-                                            <p:strVal val="#ppt_h"/>
-                                          </p:val>
-                                        </p:tav>
-                                        <p:tav tm="100000">
-                                          <p:val>
-                                            <p:strVal val="#ppt_h"/>
-                                          </p:val>
-                                        </p:tav>
-                                      </p:tavLst>
-                                    </p:anim>
-                                  </p:childTnLst>
-                                </p:cTn>
-                              </p:par>
-                            </p:childTnLst>
-                          </p:cTn>
-                        </p:par>
-                      </p:childTnLst>
-                    </p:cTn>
-                  </p:par>
-                </p:childTnLst>
-              </p:cTn>
-              <p:prevCondLst>
-                <p:cond evt="onPrev" delay="0">
-                  <p:tgtEl>
-                    <p:sldTgt/>
-                  </p:tgtEl>
-                </p:cond>
-              </p:prevCondLst>
-              <p:nextCondLst>
-                <p:cond evt="onNext" delay="0">
-                  <p:tgtEl>
-                    <p:sldTgt/>
-                  </p:tgtEl>
-                </p:cond>
-              </p:nextCondLst>
-            </p:seq>
-          </p:childTnLst>
-        </p:cTn>
-      </p:par>
-    </p:tnLst>
-  </p:timing>
 </p:sld>
 </file>
 
